--- a/Library_Management_Presentation.pptx
+++ b/Library_Management_Presentation.pptx
@@ -3342,7 +3342,7 @@
       <p:sp>
         <p:nvSpPr>
           <p:cNvPr id="5" name="Text Box 4">
-            <a:hlinkClick r:id="rId3" tooltip="" action="ppaction://hlinkfile"/>
+            <a:hlinkClick r:id="rId3" action="ppaction://hlinkfile"/>
           </p:cNvPr>
           <p:cNvSpPr txBox="1"/>
           <p:nvPr/>
@@ -3364,7 +3364,7 @@
           <a:p>
             <a:r>
               <a:rPr lang="en-US">
-                <a:hlinkClick r:id="rId3" tooltip="" action="ppaction://hlinkfile">
+                <a:hlinkClick r:id="rId3" action="ppaction://hlinkfile">
                   <a:extLst>
                     <a:ext uri="{DAF060AB-1E55-43B9-8AAB-6FB025537F2F}">
                       <wpsdc:hlinkClr xmlns:wpsdc="http://www.wps.cn/officeDocument/2017/drawingmlCustomData" val="0070C0"/>
@@ -3582,7 +3582,7 @@
       </p:sp>
       <p:pic>
         <p:nvPicPr>
-          <p:cNvPr id="4" name="Picture 3"/>
+          <p:cNvPr id="5" name="Picture 4"/>
           <p:cNvPicPr/>
           <p:nvPr/>
         </p:nvPicPr>
@@ -3594,7 +3594,7 @@
         </p:blipFill>
         <p:spPr>
           <a:xfrm>
-            <a:off x="3029585" y="3429000"/>
+            <a:off x="3029585" y="3286125"/>
             <a:ext cx="3085200" cy="3067200"/>
           </a:xfrm>
           <a:prstGeom prst="rect">
@@ -3962,6 +3962,30 @@
           </a:p>
         </p:txBody>
       </p:sp>
+      <p:pic>
+        <p:nvPicPr>
+          <p:cNvPr id="4" name="Picture 3" descr="qrcode_94926848_dfffe95d4532e6a465c681dfa81ccb19"/>
+          <p:cNvPicPr>
+            <a:picLocks noChangeAspect="1"/>
+          </p:cNvPicPr>
+          <p:nvPr/>
+        </p:nvPicPr>
+        <p:blipFill>
+          <a:blip r:embed="rId1"/>
+          <a:stretch>
+            <a:fillRect/>
+          </a:stretch>
+        </p:blipFill>
+        <p:spPr>
+          <a:xfrm>
+            <a:off x="5761355" y="3812540"/>
+            <a:ext cx="2314575" cy="2315210"/>
+          </a:xfrm>
+          <a:prstGeom prst="rect">
+            <a:avLst/>
+          </a:prstGeom>
+        </p:spPr>
+      </p:pic>
     </p:spTree>
   </p:cSld>
   <p:clrMapOvr>
@@ -4696,10 +4720,8 @@
       </p:sp>
       <p:pic>
         <p:nvPicPr>
-          <p:cNvPr id="4" name="Picture 3"/>
-          <p:cNvPicPr>
-            <a:picLocks noChangeAspect="1"/>
-          </p:cNvPicPr>
+          <p:cNvPr id="5" name="Picture 4"/>
+          <p:cNvPicPr/>
           <p:nvPr/>
         </p:nvPicPr>
         <p:blipFill>
@@ -4710,8 +4732,8 @@
         </p:blipFill>
         <p:spPr>
           <a:xfrm>
-            <a:off x="3029585" y="3010535"/>
-            <a:ext cx="3085200" cy="3192011"/>
+            <a:off x="3028950" y="3300730"/>
+            <a:ext cx="3085200" cy="3067200"/>
           </a:xfrm>
           <a:prstGeom prst="rect">
             <a:avLst/>
